--- a/images/Jellibean Flow.pptx
+++ b/images/Jellibean Flow.pptx
@@ -288,7 +288,7 @@
           <a:p>
             <a:fld id="{16F070AB-88FF-C547-861E-EF63856E0266}" type="datetimeFigureOut">
               <a:rPr lang="en-US" smtClean="0"/>
-              <a:t>27/08/2015</a:t>
+              <a:t>28/08/2015</a:t>
             </a:fld>
             <a:endParaRPr lang="en-US"/>
           </a:p>
@@ -458,7 +458,7 @@
           <a:p>
             <a:fld id="{16F070AB-88FF-C547-861E-EF63856E0266}" type="datetimeFigureOut">
               <a:rPr lang="en-US" smtClean="0"/>
-              <a:t>27/08/2015</a:t>
+              <a:t>28/08/2015</a:t>
             </a:fld>
             <a:endParaRPr lang="en-US"/>
           </a:p>
@@ -638,7 +638,7 @@
           <a:p>
             <a:fld id="{16F070AB-88FF-C547-861E-EF63856E0266}" type="datetimeFigureOut">
               <a:rPr lang="en-US" smtClean="0"/>
-              <a:t>27/08/2015</a:t>
+              <a:t>28/08/2015</a:t>
             </a:fld>
             <a:endParaRPr lang="en-US"/>
           </a:p>
@@ -808,7 +808,7 @@
           <a:p>
             <a:fld id="{16F070AB-88FF-C547-861E-EF63856E0266}" type="datetimeFigureOut">
               <a:rPr lang="en-US" smtClean="0"/>
-              <a:t>27/08/2015</a:t>
+              <a:t>28/08/2015</a:t>
             </a:fld>
             <a:endParaRPr lang="en-US"/>
           </a:p>
@@ -1054,7 +1054,7 @@
           <a:p>
             <a:fld id="{16F070AB-88FF-C547-861E-EF63856E0266}" type="datetimeFigureOut">
               <a:rPr lang="en-US" smtClean="0"/>
-              <a:t>27/08/2015</a:t>
+              <a:t>28/08/2015</a:t>
             </a:fld>
             <a:endParaRPr lang="en-US"/>
           </a:p>
@@ -1342,7 +1342,7 @@
           <a:p>
             <a:fld id="{16F070AB-88FF-C547-861E-EF63856E0266}" type="datetimeFigureOut">
               <a:rPr lang="en-US" smtClean="0"/>
-              <a:t>27/08/2015</a:t>
+              <a:t>28/08/2015</a:t>
             </a:fld>
             <a:endParaRPr lang="en-US"/>
           </a:p>
@@ -1764,7 +1764,7 @@
           <a:p>
             <a:fld id="{16F070AB-88FF-C547-861E-EF63856E0266}" type="datetimeFigureOut">
               <a:rPr lang="en-US" smtClean="0"/>
-              <a:t>27/08/2015</a:t>
+              <a:t>28/08/2015</a:t>
             </a:fld>
             <a:endParaRPr lang="en-US"/>
           </a:p>
@@ -1882,7 +1882,7 @@
           <a:p>
             <a:fld id="{16F070AB-88FF-C547-861E-EF63856E0266}" type="datetimeFigureOut">
               <a:rPr lang="en-US" smtClean="0"/>
-              <a:t>27/08/2015</a:t>
+              <a:t>28/08/2015</a:t>
             </a:fld>
             <a:endParaRPr lang="en-US"/>
           </a:p>
@@ -1977,7 +1977,7 @@
           <a:p>
             <a:fld id="{16F070AB-88FF-C547-861E-EF63856E0266}" type="datetimeFigureOut">
               <a:rPr lang="en-US" smtClean="0"/>
-              <a:t>27/08/2015</a:t>
+              <a:t>28/08/2015</a:t>
             </a:fld>
             <a:endParaRPr lang="en-US"/>
           </a:p>
@@ -2254,7 +2254,7 @@
           <a:p>
             <a:fld id="{16F070AB-88FF-C547-861E-EF63856E0266}" type="datetimeFigureOut">
               <a:rPr lang="en-US" smtClean="0"/>
-              <a:t>27/08/2015</a:t>
+              <a:t>28/08/2015</a:t>
             </a:fld>
             <a:endParaRPr lang="en-US"/>
           </a:p>
@@ -2507,7 +2507,7 @@
           <a:p>
             <a:fld id="{16F070AB-88FF-C547-861E-EF63856E0266}" type="datetimeFigureOut">
               <a:rPr lang="en-US" smtClean="0"/>
-              <a:t>27/08/2015</a:t>
+              <a:t>28/08/2015</a:t>
             </a:fld>
             <a:endParaRPr lang="en-US"/>
           </a:p>
@@ -2720,7 +2720,7 @@
           <a:p>
             <a:fld id="{16F070AB-88FF-C547-861E-EF63856E0266}" type="datetimeFigureOut">
               <a:rPr lang="en-US" smtClean="0"/>
-              <a:t>27/08/2015</a:t>
+              <a:t>28/08/2015</a:t>
             </a:fld>
             <a:endParaRPr lang="en-US"/>
           </a:p>
@@ -3097,7 +3097,7 @@
       </p:grpSpPr>
       <p:pic>
         <p:nvPicPr>
-          <p:cNvPr id="38" name="Picture 37" descr="JBean Welcome Page.tiff"/>
+          <p:cNvPr id="2" name="Picture 1" descr="DoKnowGoSocial.png"/>
           <p:cNvPicPr>
             <a:picLocks noChangeAspect="1"/>
           </p:cNvPicPr>
@@ -3117,8 +3117,8 @@
         </p:blipFill>
         <p:spPr>
           <a:xfrm>
-            <a:off x="2914315" y="0"/>
-            <a:ext cx="2874853" cy="2085475"/>
+            <a:off x="2914315" y="2074531"/>
+            <a:ext cx="2893823" cy="2060541"/>
           </a:xfrm>
           <a:prstGeom prst="rect">
             <a:avLst/>
@@ -3127,7 +3127,7 @@
       </p:pic>
       <p:pic>
         <p:nvPicPr>
-          <p:cNvPr id="6" name="Picture 5" descr="DoKnowGo.tiff"/>
+          <p:cNvPr id="38" name="Picture 37" descr="JBean Welcome Page.tiff"/>
           <p:cNvPicPr>
             <a:picLocks noChangeAspect="1"/>
           </p:cNvPicPr>
@@ -3147,8 +3147,8 @@
         </p:blipFill>
         <p:spPr>
           <a:xfrm>
-            <a:off x="2914315" y="2093173"/>
-            <a:ext cx="2927684" cy="2113268"/>
+            <a:off x="2914315" y="0"/>
+            <a:ext cx="2874853" cy="2085475"/>
           </a:xfrm>
           <a:prstGeom prst="rect">
             <a:avLst/>
@@ -3253,8 +3253,8 @@
         </p:nvCxnSpPr>
         <p:spPr>
           <a:xfrm flipH="1" flipV="1">
-            <a:off x="2754347" y="2694555"/>
-            <a:ext cx="734811" cy="299971"/>
+            <a:off x="2754348" y="2694556"/>
+            <a:ext cx="412185" cy="299970"/>
           </a:xfrm>
           <a:prstGeom prst="straightConnector1">
             <a:avLst/>
@@ -3290,7 +3290,7 @@
         <p:spPr>
           <a:xfrm flipH="1">
             <a:off x="2152339" y="3408947"/>
-            <a:ext cx="1203142" cy="360948"/>
+            <a:ext cx="1014194" cy="360948"/>
           </a:xfrm>
           <a:prstGeom prst="straightConnector1">
             <a:avLst/>
@@ -3427,7 +3427,7 @@
         </p:nvCxnSpPr>
         <p:spPr>
           <a:xfrm>
-            <a:off x="4344761" y="3408947"/>
+            <a:off x="4006095" y="3408947"/>
             <a:ext cx="0" cy="360948"/>
           </a:xfrm>
           <a:prstGeom prst="straightConnector1">
@@ -3493,8 +3493,8 @@
         </p:nvCxnSpPr>
         <p:spPr>
           <a:xfrm>
-            <a:off x="5320630" y="3408947"/>
-            <a:ext cx="1229896" cy="360948"/>
+            <a:off x="4720257" y="3408947"/>
+            <a:ext cx="1830269" cy="360948"/>
           </a:xfrm>
           <a:prstGeom prst="straightConnector1">
             <a:avLst/>

--- a/images/Jellibean Flow.pptx
+++ b/images/Jellibean Flow.pptx
@@ -288,7 +288,7 @@
           <a:p>
             <a:fld id="{16F070AB-88FF-C547-861E-EF63856E0266}" type="datetimeFigureOut">
               <a:rPr lang="en-US" smtClean="0"/>
-              <a:t>28/08/2015</a:t>
+              <a:t>01/09/2015</a:t>
             </a:fld>
             <a:endParaRPr lang="en-US"/>
           </a:p>
@@ -458,7 +458,7 @@
           <a:p>
             <a:fld id="{16F070AB-88FF-C547-861E-EF63856E0266}" type="datetimeFigureOut">
               <a:rPr lang="en-US" smtClean="0"/>
-              <a:t>28/08/2015</a:t>
+              <a:t>01/09/2015</a:t>
             </a:fld>
             <a:endParaRPr lang="en-US"/>
           </a:p>
@@ -638,7 +638,7 @@
           <a:p>
             <a:fld id="{16F070AB-88FF-C547-861E-EF63856E0266}" type="datetimeFigureOut">
               <a:rPr lang="en-US" smtClean="0"/>
-              <a:t>28/08/2015</a:t>
+              <a:t>01/09/2015</a:t>
             </a:fld>
             <a:endParaRPr lang="en-US"/>
           </a:p>
@@ -808,7 +808,7 @@
           <a:p>
             <a:fld id="{16F070AB-88FF-C547-861E-EF63856E0266}" type="datetimeFigureOut">
               <a:rPr lang="en-US" smtClean="0"/>
-              <a:t>28/08/2015</a:t>
+              <a:t>01/09/2015</a:t>
             </a:fld>
             <a:endParaRPr lang="en-US"/>
           </a:p>
@@ -1054,7 +1054,7 @@
           <a:p>
             <a:fld id="{16F070AB-88FF-C547-861E-EF63856E0266}" type="datetimeFigureOut">
               <a:rPr lang="en-US" smtClean="0"/>
-              <a:t>28/08/2015</a:t>
+              <a:t>01/09/2015</a:t>
             </a:fld>
             <a:endParaRPr lang="en-US"/>
           </a:p>
@@ -1342,7 +1342,7 @@
           <a:p>
             <a:fld id="{16F070AB-88FF-C547-861E-EF63856E0266}" type="datetimeFigureOut">
               <a:rPr lang="en-US" smtClean="0"/>
-              <a:t>28/08/2015</a:t>
+              <a:t>01/09/2015</a:t>
             </a:fld>
             <a:endParaRPr lang="en-US"/>
           </a:p>
@@ -1764,7 +1764,7 @@
           <a:p>
             <a:fld id="{16F070AB-88FF-C547-861E-EF63856E0266}" type="datetimeFigureOut">
               <a:rPr lang="en-US" smtClean="0"/>
-              <a:t>28/08/2015</a:t>
+              <a:t>01/09/2015</a:t>
             </a:fld>
             <a:endParaRPr lang="en-US"/>
           </a:p>
@@ -1882,7 +1882,7 @@
           <a:p>
             <a:fld id="{16F070AB-88FF-C547-861E-EF63856E0266}" type="datetimeFigureOut">
               <a:rPr lang="en-US" smtClean="0"/>
-              <a:t>28/08/2015</a:t>
+              <a:t>01/09/2015</a:t>
             </a:fld>
             <a:endParaRPr lang="en-US"/>
           </a:p>
@@ -1977,7 +1977,7 @@
           <a:p>
             <a:fld id="{16F070AB-88FF-C547-861E-EF63856E0266}" type="datetimeFigureOut">
               <a:rPr lang="en-US" smtClean="0"/>
-              <a:t>28/08/2015</a:t>
+              <a:t>01/09/2015</a:t>
             </a:fld>
             <a:endParaRPr lang="en-US"/>
           </a:p>
@@ -2254,7 +2254,7 @@
           <a:p>
             <a:fld id="{16F070AB-88FF-C547-861E-EF63856E0266}" type="datetimeFigureOut">
               <a:rPr lang="en-US" smtClean="0"/>
-              <a:t>28/08/2015</a:t>
+              <a:t>01/09/2015</a:t>
             </a:fld>
             <a:endParaRPr lang="en-US"/>
           </a:p>
@@ -2507,7 +2507,7 @@
           <a:p>
             <a:fld id="{16F070AB-88FF-C547-861E-EF63856E0266}" type="datetimeFigureOut">
               <a:rPr lang="en-US" smtClean="0"/>
-              <a:t>28/08/2015</a:t>
+              <a:t>01/09/2015</a:t>
             </a:fld>
             <a:endParaRPr lang="en-US"/>
           </a:p>
@@ -2720,7 +2720,7 @@
           <a:p>
             <a:fld id="{16F070AB-88FF-C547-861E-EF63856E0266}" type="datetimeFigureOut">
               <a:rPr lang="en-US" smtClean="0"/>
-              <a:t>28/08/2015</a:t>
+              <a:t>01/09/2015</a:t>
             </a:fld>
             <a:endParaRPr lang="en-US"/>
           </a:p>
@@ -3097,7 +3097,7 @@
       </p:grpSpPr>
       <p:pic>
         <p:nvPicPr>
-          <p:cNvPr id="2" name="Picture 1" descr="DoKnowGoSocial.png"/>
+          <p:cNvPr id="10" name="Picture 9" descr="GoScreen.png"/>
           <p:cNvPicPr>
             <a:picLocks noChangeAspect="1"/>
           </p:cNvPicPr>
@@ -3117,8 +3117,8 @@
         </p:blipFill>
         <p:spPr>
           <a:xfrm>
-            <a:off x="2914315" y="2074531"/>
-            <a:ext cx="2893823" cy="2060541"/>
+            <a:off x="5808138" y="3652926"/>
+            <a:ext cx="2864232" cy="2062661"/>
           </a:xfrm>
           <a:prstGeom prst="rect">
             <a:avLst/>
@@ -3127,7 +3127,7 @@
       </p:pic>
       <p:pic>
         <p:nvPicPr>
-          <p:cNvPr id="38" name="Picture 37" descr="JBean Welcome Page.tiff"/>
+          <p:cNvPr id="2" name="Picture 1" descr="DoKnowGoSocial.png"/>
           <p:cNvPicPr>
             <a:picLocks noChangeAspect="1"/>
           </p:cNvPicPr>
@@ -3147,8 +3147,8 @@
         </p:blipFill>
         <p:spPr>
           <a:xfrm>
-            <a:off x="2914315" y="0"/>
-            <a:ext cx="2874853" cy="2085475"/>
+            <a:off x="2914315" y="2074531"/>
+            <a:ext cx="2893823" cy="2060541"/>
           </a:xfrm>
           <a:prstGeom prst="rect">
             <a:avLst/>
@@ -3157,7 +3157,7 @@
       </p:pic>
       <p:pic>
         <p:nvPicPr>
-          <p:cNvPr id="24" name="Picture 23" descr="Know.tiff"/>
+          <p:cNvPr id="6" name="Picture 5" descr="KnowScreen.png"/>
           <p:cNvPicPr>
             <a:picLocks noChangeAspect="1"/>
           </p:cNvPicPr>
@@ -3177,8 +3177,8 @@
         </p:blipFill>
         <p:spPr>
           <a:xfrm>
-            <a:off x="2940657" y="3642895"/>
-            <a:ext cx="2847054" cy="2058849"/>
+            <a:off x="3017008" y="3675869"/>
+            <a:ext cx="2790029" cy="1995273"/>
           </a:xfrm>
           <a:prstGeom prst="rect">
             <a:avLst/>
@@ -3187,7 +3187,7 @@
       </p:pic>
       <p:pic>
         <p:nvPicPr>
-          <p:cNvPr id="5" name="Picture 4" descr="DoKnowGoModal.tiff"/>
+          <p:cNvPr id="3" name="Picture 2" descr="DoScreen.png"/>
           <p:cNvPicPr>
             <a:picLocks noChangeAspect="1"/>
           </p:cNvPicPr>
@@ -3207,8 +3207,8 @@
         </p:blipFill>
         <p:spPr>
           <a:xfrm>
-            <a:off x="1871602" y="2247923"/>
-            <a:ext cx="1229896" cy="893262"/>
+            <a:off x="94593" y="3663534"/>
+            <a:ext cx="2846064" cy="2052053"/>
           </a:xfrm>
           <a:prstGeom prst="rect">
             <a:avLst/>
@@ -3217,7 +3217,7 @@
       </p:pic>
       <p:pic>
         <p:nvPicPr>
-          <p:cNvPr id="7" name="Picture 6" descr="Do.tiff"/>
+          <p:cNvPr id="38" name="Picture 37" descr="JBean Welcome Page.tiff"/>
           <p:cNvPicPr>
             <a:picLocks noChangeAspect="1"/>
           </p:cNvPicPr>
@@ -3237,8 +3237,38 @@
         </p:blipFill>
         <p:spPr>
           <a:xfrm>
-            <a:off x="93603" y="3642895"/>
-            <a:ext cx="2847054" cy="2052053"/>
+            <a:off x="2914315" y="0"/>
+            <a:ext cx="2874853" cy="2085475"/>
+          </a:xfrm>
+          <a:prstGeom prst="rect">
+            <a:avLst/>
+          </a:prstGeom>
+        </p:spPr>
+      </p:pic>
+      <p:pic>
+        <p:nvPicPr>
+          <p:cNvPr id="5" name="Picture 4" descr="DoKnowGoModal.tiff"/>
+          <p:cNvPicPr>
+            <a:picLocks noChangeAspect="1"/>
+          </p:cNvPicPr>
+          <p:nvPr/>
+        </p:nvPicPr>
+        <p:blipFill>
+          <a:blip r:embed="rId7">
+            <a:extLst>
+              <a:ext uri="{28A0092B-C50C-407E-A947-70E740481C1C}">
+                <a14:useLocalDpi xmlns:a14="http://schemas.microsoft.com/office/drawing/2010/main" val="0"/>
+              </a:ext>
+            </a:extLst>
+          </a:blip>
+          <a:stretch>
+            <a:fillRect/>
+          </a:stretch>
+        </p:blipFill>
+        <p:spPr>
+          <a:xfrm>
+            <a:off x="1871602" y="2247923"/>
+            <a:ext cx="1229896" cy="893262"/>
           </a:xfrm>
           <a:prstGeom prst="rect">
             <a:avLst/>
@@ -3353,46 +3383,16 @@
           </a:fontRef>
         </p:style>
       </p:cxnSp>
-      <p:pic>
-        <p:nvPicPr>
-          <p:cNvPr id="16" name="Picture 15" descr="DoModal.tiff"/>
-          <p:cNvPicPr>
-            <a:picLocks noChangeAspect="1"/>
-          </p:cNvPicPr>
-          <p:nvPr/>
-        </p:nvPicPr>
-        <p:blipFill>
-          <a:blip r:embed="rId7">
-            <a:extLst>
-              <a:ext uri="{28A0092B-C50C-407E-A947-70E740481C1C}">
-                <a14:useLocalDpi xmlns:a14="http://schemas.microsoft.com/office/drawing/2010/main" val="0"/>
-              </a:ext>
-            </a:extLst>
-          </a:blip>
-          <a:stretch>
-            <a:fillRect/>
-          </a:stretch>
-        </p:blipFill>
-        <p:spPr>
-          <a:xfrm>
-            <a:off x="2519423" y="4526179"/>
-            <a:ext cx="1217622" cy="871806"/>
-          </a:xfrm>
-          <a:prstGeom prst="rect">
-            <a:avLst/>
-          </a:prstGeom>
-        </p:spPr>
-      </p:pic>
       <p:cxnSp>
         <p:nvCxnSpPr>
-          <p:cNvPr id="18" name="Straight Arrow Connector 17"/>
+          <p:cNvPr id="26" name="Straight Arrow Connector 25"/>
           <p:cNvCxnSpPr/>
           <p:nvPr/>
         </p:nvCxnSpPr>
         <p:spPr>
           <a:xfrm>
-            <a:off x="2633603" y="4090737"/>
-            <a:ext cx="467895" cy="548105"/>
+            <a:off x="4006095" y="3408947"/>
+            <a:ext cx="0" cy="360948"/>
           </a:xfrm>
           <a:prstGeom prst="straightConnector1">
             <a:avLst/>
@@ -3419,72 +3419,6 @@
           </a:fontRef>
         </p:style>
       </p:cxnSp>
-      <p:cxnSp>
-        <p:nvCxnSpPr>
-          <p:cNvPr id="26" name="Straight Arrow Connector 25"/>
-          <p:cNvCxnSpPr/>
-          <p:nvPr/>
-        </p:nvCxnSpPr>
-        <p:spPr>
-          <a:xfrm>
-            <a:off x="4006095" y="3408947"/>
-            <a:ext cx="0" cy="360948"/>
-          </a:xfrm>
-          <a:prstGeom prst="straightConnector1">
-            <a:avLst/>
-          </a:prstGeom>
-          <a:ln>
-            <a:solidFill>
-              <a:srgbClr val="FF0000"/>
-            </a:solidFill>
-            <a:tailEnd type="arrow"/>
-          </a:ln>
-        </p:spPr>
-        <p:style>
-          <a:lnRef idx="2">
-            <a:schemeClr val="accent1"/>
-          </a:lnRef>
-          <a:fillRef idx="0">
-            <a:schemeClr val="accent1"/>
-          </a:fillRef>
-          <a:effectRef idx="1">
-            <a:schemeClr val="accent1"/>
-          </a:effectRef>
-          <a:fontRef idx="minor">
-            <a:schemeClr val="tx1"/>
-          </a:fontRef>
-        </p:style>
-      </p:cxnSp>
-      <p:pic>
-        <p:nvPicPr>
-          <p:cNvPr id="29" name="Picture 28" descr="Go.tiff"/>
-          <p:cNvPicPr>
-            <a:picLocks noChangeAspect="1"/>
-          </p:cNvPicPr>
-          <p:nvPr/>
-        </p:nvPicPr>
-        <p:blipFill>
-          <a:blip r:embed="rId8">
-            <a:extLst>
-              <a:ext uri="{28A0092B-C50C-407E-A947-70E740481C1C}">
-                <a14:useLocalDpi xmlns:a14="http://schemas.microsoft.com/office/drawing/2010/main" val="0"/>
-              </a:ext>
-            </a:extLst>
-          </a:blip>
-          <a:stretch>
-            <a:fillRect/>
-          </a:stretch>
-        </p:blipFill>
-        <p:spPr>
-          <a:xfrm>
-            <a:off x="5808138" y="3642895"/>
-            <a:ext cx="2888065" cy="2072692"/>
-          </a:xfrm>
-          <a:prstGeom prst="rect">
-            <a:avLst/>
-          </a:prstGeom>
-        </p:spPr>
-      </p:pic>
       <p:cxnSp>
         <p:nvCxnSpPr>
           <p:cNvPr id="31" name="Straight Arrow Connector 30"/>
@@ -3530,7 +3464,7 @@
           <p:nvPr/>
         </p:nvPicPr>
         <p:blipFill>
-          <a:blip r:embed="rId9">
+          <a:blip r:embed="rId8">
             <a:extLst>
               <a:ext uri="{28A0092B-C50C-407E-A947-70E740481C1C}">
                 <a14:useLocalDpi xmlns:a14="http://schemas.microsoft.com/office/drawing/2010/main" val="0"/>
@@ -3587,66 +3521,6 @@
           </a:fontRef>
         </p:style>
       </p:cxnSp>
-      <p:pic>
-        <p:nvPicPr>
-          <p:cNvPr id="50" name="Picture 49" descr="KnowModal.tiff"/>
-          <p:cNvPicPr>
-            <a:picLocks noChangeAspect="1"/>
-          </p:cNvPicPr>
-          <p:nvPr/>
-        </p:nvPicPr>
-        <p:blipFill>
-          <a:blip r:embed="rId10">
-            <a:extLst>
-              <a:ext uri="{28A0092B-C50C-407E-A947-70E740481C1C}">
-                <a14:useLocalDpi xmlns:a14="http://schemas.microsoft.com/office/drawing/2010/main" val="0"/>
-              </a:ext>
-            </a:extLst>
-          </a:blip>
-          <a:stretch>
-            <a:fillRect/>
-          </a:stretch>
-        </p:blipFill>
-        <p:spPr>
-          <a:xfrm>
-            <a:off x="4495529" y="4951997"/>
-            <a:ext cx="1235157" cy="891976"/>
-          </a:xfrm>
-          <a:prstGeom prst="rect">
-            <a:avLst/>
-          </a:prstGeom>
-        </p:spPr>
-      </p:pic>
-      <p:pic>
-        <p:nvPicPr>
-          <p:cNvPr id="51" name="Picture 50" descr="GoModal.tiff"/>
-          <p:cNvPicPr>
-            <a:picLocks noChangeAspect="1"/>
-          </p:cNvPicPr>
-          <p:nvPr/>
-        </p:nvPicPr>
-        <p:blipFill>
-          <a:blip r:embed="rId11">
-            <a:extLst>
-              <a:ext uri="{28A0092B-C50C-407E-A947-70E740481C1C}">
-                <a14:useLocalDpi xmlns:a14="http://schemas.microsoft.com/office/drawing/2010/main" val="0"/>
-              </a:ext>
-            </a:extLst>
-          </a:blip>
-          <a:stretch>
-            <a:fillRect/>
-          </a:stretch>
-        </p:blipFill>
-        <p:spPr>
-          <a:xfrm>
-            <a:off x="7759420" y="4784734"/>
-            <a:ext cx="1265861" cy="910214"/>
-          </a:xfrm>
-          <a:prstGeom prst="rect">
-            <a:avLst/>
-          </a:prstGeom>
-        </p:spPr>
-      </p:pic>
       <p:cxnSp>
         <p:nvCxnSpPr>
           <p:cNvPr id="53" name="Straight Arrow Connector 52"/>
@@ -3686,9 +3560,7 @@
       <p:cxnSp>
         <p:nvCxnSpPr>
           <p:cNvPr id="58" name="Straight Arrow Connector 57"/>
-          <p:cNvCxnSpPr>
-            <a:endCxn id="51" idx="0"/>
-          </p:cNvCxnSpPr>
+          <p:cNvCxnSpPr/>
           <p:nvPr/>
         </p:nvCxnSpPr>
         <p:spPr>
@@ -3721,6 +3593,132 @@
           </a:fontRef>
         </p:style>
       </p:cxnSp>
+      <p:pic>
+        <p:nvPicPr>
+          <p:cNvPr id="4" name="Picture 3" descr="DoScreenModal.png"/>
+          <p:cNvPicPr>
+            <a:picLocks noChangeAspect="1"/>
+          </p:cNvPicPr>
+          <p:nvPr/>
+        </p:nvPicPr>
+        <p:blipFill>
+          <a:blip r:embed="rId9">
+            <a:extLst>
+              <a:ext uri="{28A0092B-C50C-407E-A947-70E740481C1C}">
+                <a14:useLocalDpi xmlns:a14="http://schemas.microsoft.com/office/drawing/2010/main" val="0"/>
+              </a:ext>
+            </a:extLst>
+          </a:blip>
+          <a:stretch>
+            <a:fillRect/>
+          </a:stretch>
+        </p:blipFill>
+        <p:spPr>
+          <a:xfrm>
+            <a:off x="2482100" y="4507549"/>
+            <a:ext cx="1238795" cy="888895"/>
+          </a:xfrm>
+          <a:prstGeom prst="rect">
+            <a:avLst/>
+          </a:prstGeom>
+        </p:spPr>
+      </p:pic>
+      <p:cxnSp>
+        <p:nvCxnSpPr>
+          <p:cNvPr id="18" name="Straight Arrow Connector 17"/>
+          <p:cNvCxnSpPr/>
+          <p:nvPr/>
+        </p:nvCxnSpPr>
+        <p:spPr>
+          <a:xfrm>
+            <a:off x="2633603" y="4090737"/>
+            <a:ext cx="467895" cy="548105"/>
+          </a:xfrm>
+          <a:prstGeom prst="straightConnector1">
+            <a:avLst/>
+          </a:prstGeom>
+          <a:ln>
+            <a:solidFill>
+              <a:srgbClr val="FF0000"/>
+            </a:solidFill>
+            <a:tailEnd type="arrow"/>
+          </a:ln>
+        </p:spPr>
+        <p:style>
+          <a:lnRef idx="2">
+            <a:schemeClr val="accent1"/>
+          </a:lnRef>
+          <a:fillRef idx="0">
+            <a:schemeClr val="accent1"/>
+          </a:fillRef>
+          <a:effectRef idx="1">
+            <a:schemeClr val="accent1"/>
+          </a:effectRef>
+          <a:fontRef idx="minor">
+            <a:schemeClr val="tx1"/>
+          </a:fontRef>
+        </p:style>
+      </p:cxnSp>
+      <p:pic>
+        <p:nvPicPr>
+          <p:cNvPr id="8" name="Picture 7" descr="KnowScreenModal.png"/>
+          <p:cNvPicPr>
+            <a:picLocks noChangeAspect="1"/>
+          </p:cNvPicPr>
+          <p:nvPr/>
+        </p:nvPicPr>
+        <p:blipFill>
+          <a:blip r:embed="rId10">
+            <a:extLst>
+              <a:ext uri="{28A0092B-C50C-407E-A947-70E740481C1C}">
+                <a14:useLocalDpi xmlns:a14="http://schemas.microsoft.com/office/drawing/2010/main" val="0"/>
+              </a:ext>
+            </a:extLst>
+          </a:blip>
+          <a:stretch>
+            <a:fillRect/>
+          </a:stretch>
+        </p:blipFill>
+        <p:spPr>
+          <a:xfrm>
+            <a:off x="4576803" y="4991315"/>
+            <a:ext cx="1129737" cy="810257"/>
+          </a:xfrm>
+          <a:prstGeom prst="rect">
+            <a:avLst/>
+          </a:prstGeom>
+        </p:spPr>
+      </p:pic>
+      <p:pic>
+        <p:nvPicPr>
+          <p:cNvPr id="11" name="Picture 10" descr="GoScreenModal.png"/>
+          <p:cNvPicPr>
+            <a:picLocks noChangeAspect="1"/>
+          </p:cNvPicPr>
+          <p:nvPr/>
+        </p:nvPicPr>
+        <p:blipFill>
+          <a:blip r:embed="rId11">
+            <a:extLst>
+              <a:ext uri="{28A0092B-C50C-407E-A947-70E740481C1C}">
+                <a14:useLocalDpi xmlns:a14="http://schemas.microsoft.com/office/drawing/2010/main" val="0"/>
+              </a:ext>
+            </a:extLst>
+          </a:blip>
+          <a:stretch>
+            <a:fillRect/>
+          </a:stretch>
+        </p:blipFill>
+        <p:spPr>
+          <a:xfrm>
+            <a:off x="7827482" y="4784734"/>
+            <a:ext cx="1129737" cy="809099"/>
+          </a:xfrm>
+          <a:prstGeom prst="rect">
+            <a:avLst/>
+          </a:prstGeom>
+        </p:spPr>
+      </p:pic>
     </p:spTree>
     <p:extLst>
       <p:ext uri="{BB962C8B-B14F-4D97-AF65-F5344CB8AC3E}">
